--- a/HUM1002 Psychology in Everyday Life/reference materials/module-1 adjustment/1_1_Meaning, factors of adjustment.pptx
+++ b/HUM1002 Psychology in Everyday Life/reference materials/module-1 adjustment/1_1_Meaning, factors of adjustment.pptx
@@ -341,7 +341,7 @@
           <a:p>
             <a:fld id="{01CE0301-4402-46FB-AC51-50CBAAA79407}" type="datetimeFigureOut">
               <a:rPr lang="en-IN" smtClean="0"/>
-              <a:t>14/02/22</a:t>
+              <a:t>08/05/22</a:t>
             </a:fld>
             <a:endParaRPr lang="en-IN"/>
           </a:p>
@@ -511,7 +511,7 @@
           <a:p>
             <a:fld id="{01CE0301-4402-46FB-AC51-50CBAAA79407}" type="datetimeFigureOut">
               <a:rPr lang="en-IN" smtClean="0"/>
-              <a:t>14/02/22</a:t>
+              <a:t>08/05/22</a:t>
             </a:fld>
             <a:endParaRPr lang="en-IN"/>
           </a:p>
@@ -691,7 +691,7 @@
           <a:p>
             <a:fld id="{01CE0301-4402-46FB-AC51-50CBAAA79407}" type="datetimeFigureOut">
               <a:rPr lang="en-IN" smtClean="0"/>
-              <a:t>14/02/22</a:t>
+              <a:t>08/05/22</a:t>
             </a:fld>
             <a:endParaRPr lang="en-IN"/>
           </a:p>
@@ -861,7 +861,7 @@
           <a:p>
             <a:fld id="{01CE0301-4402-46FB-AC51-50CBAAA79407}" type="datetimeFigureOut">
               <a:rPr lang="en-IN" smtClean="0"/>
-              <a:t>14/02/22</a:t>
+              <a:t>08/05/22</a:t>
             </a:fld>
             <a:endParaRPr lang="en-IN"/>
           </a:p>
@@ -1107,7 +1107,7 @@
           <a:p>
             <a:fld id="{01CE0301-4402-46FB-AC51-50CBAAA79407}" type="datetimeFigureOut">
               <a:rPr lang="en-IN" smtClean="0"/>
-              <a:t>14/02/22</a:t>
+              <a:t>08/05/22</a:t>
             </a:fld>
             <a:endParaRPr lang="en-IN"/>
           </a:p>
@@ -1395,7 +1395,7 @@
           <a:p>
             <a:fld id="{01CE0301-4402-46FB-AC51-50CBAAA79407}" type="datetimeFigureOut">
               <a:rPr lang="en-IN" smtClean="0"/>
-              <a:t>14/02/22</a:t>
+              <a:t>08/05/22</a:t>
             </a:fld>
             <a:endParaRPr lang="en-IN"/>
           </a:p>
@@ -1817,7 +1817,7 @@
           <a:p>
             <a:fld id="{01CE0301-4402-46FB-AC51-50CBAAA79407}" type="datetimeFigureOut">
               <a:rPr lang="en-IN" smtClean="0"/>
-              <a:t>14/02/22</a:t>
+              <a:t>08/05/22</a:t>
             </a:fld>
             <a:endParaRPr lang="en-IN"/>
           </a:p>
@@ -1935,7 +1935,7 @@
           <a:p>
             <a:fld id="{01CE0301-4402-46FB-AC51-50CBAAA79407}" type="datetimeFigureOut">
               <a:rPr lang="en-IN" smtClean="0"/>
-              <a:t>14/02/22</a:t>
+              <a:t>08/05/22</a:t>
             </a:fld>
             <a:endParaRPr lang="en-IN"/>
           </a:p>
@@ -2030,7 +2030,7 @@
           <a:p>
             <a:fld id="{01CE0301-4402-46FB-AC51-50CBAAA79407}" type="datetimeFigureOut">
               <a:rPr lang="en-IN" smtClean="0"/>
-              <a:t>14/02/22</a:t>
+              <a:t>08/05/22</a:t>
             </a:fld>
             <a:endParaRPr lang="en-IN"/>
           </a:p>
@@ -2307,7 +2307,7 @@
           <a:p>
             <a:fld id="{01CE0301-4402-46FB-AC51-50CBAAA79407}" type="datetimeFigureOut">
               <a:rPr lang="en-IN" smtClean="0"/>
-              <a:t>14/02/22</a:t>
+              <a:t>08/05/22</a:t>
             </a:fld>
             <a:endParaRPr lang="en-IN"/>
           </a:p>
@@ -2560,7 +2560,7 @@
           <a:p>
             <a:fld id="{01CE0301-4402-46FB-AC51-50CBAAA79407}" type="datetimeFigureOut">
               <a:rPr lang="en-IN" smtClean="0"/>
-              <a:t>14/02/22</a:t>
+              <a:t>08/05/22</a:t>
             </a:fld>
             <a:endParaRPr lang="en-IN"/>
           </a:p>
@@ -2773,7 +2773,7 @@
           <a:p>
             <a:fld id="{01CE0301-4402-46FB-AC51-50CBAAA79407}" type="datetimeFigureOut">
               <a:rPr lang="en-IN" smtClean="0"/>
-              <a:t>14/02/22</a:t>
+              <a:t>08/05/22</a:t>
             </a:fld>
             <a:endParaRPr lang="en-IN"/>
           </a:p>
